--- a/haskell.pptx
+++ b/haskell.pptx
@@ -5,7 +5,7 @@
     <p:sldMasterId id="2147483724" r:id="rId1"/>
   </p:sldMasterIdLst>
   <p:notesMasterIdLst>
-    <p:notesMasterId r:id="rId10"/>
+    <p:notesMasterId r:id="rId11"/>
   </p:notesMasterIdLst>
   <p:sldIdLst>
     <p:sldId id="256" r:id="rId2"/>
@@ -14,8 +14,9 @@
     <p:sldId id="261" r:id="rId5"/>
     <p:sldId id="262" r:id="rId6"/>
     <p:sldId id="263" r:id="rId7"/>
-    <p:sldId id="257" r:id="rId8"/>
-    <p:sldId id="259" r:id="rId9"/>
+    <p:sldId id="264" r:id="rId8"/>
+    <p:sldId id="257" r:id="rId9"/>
+    <p:sldId id="259" r:id="rId10"/>
   </p:sldIdLst>
   <p:sldSz cx="12192000" cy="6858000"/>
   <p:notesSz cx="6858000" cy="9144000"/>
@@ -541,7 +542,7 @@
           <a:p>
             <a:fld id="{6FBC9F00-7A0E-412D-BC0E-8E50166D2CC5}" type="slidenum">
               <a:rPr lang="nl-BE" smtClean="0"/>
-              <a:t>7</a:t>
+              <a:t>8</a:t>
             </a:fld>
             <a:endParaRPr lang="nl-BE"/>
           </a:p>
@@ -4070,6 +4071,18 @@
             </a:r>
             <a:endParaRPr lang="nl-BE" dirty="0"/>
           </a:p>
+          <a:p>
+            <a:r>
+              <a:rPr lang="nl-BE" dirty="0"/>
+              <a:t>Haddock</a:t>
+            </a:r>
+          </a:p>
+          <a:p>
+            <a:r>
+              <a:rPr lang="nl-BE" dirty="0"/>
+              <a:t>…</a:t>
+            </a:r>
+          </a:p>
         </p:txBody>
       </p:sp>
     </p:spTree>
@@ -4107,6 +4120,120 @@
           <p:cNvPr id="2" name="Titel 1">
             <a:extLst>
               <a:ext uri="{FF2B5EF4-FFF2-40B4-BE49-F238E27FC236}">
+                <a16:creationId xmlns:a16="http://schemas.microsoft.com/office/drawing/2014/main" id="{97A88734-47C5-4C7E-B489-E4218C2D95F7}"/>
+              </a:ext>
+            </a:extLst>
+          </p:cNvPr>
+          <p:cNvSpPr>
+            <a:spLocks noGrp="1"/>
+          </p:cNvSpPr>
+          <p:nvPr>
+            <p:ph type="title"/>
+          </p:nvPr>
+        </p:nvSpPr>
+        <p:spPr/>
+        <p:txBody>
+          <a:bodyPr/>
+          <a:lstStyle/>
+          <a:p>
+            <a:r>
+              <a:rPr lang="nl-BE" dirty="0" err="1"/>
+              <a:t>Frameworks</a:t>
+            </a:r>
+            <a:endParaRPr lang="nl-BE" dirty="0"/>
+          </a:p>
+        </p:txBody>
+      </p:sp>
+      <p:sp>
+        <p:nvSpPr>
+          <p:cNvPr id="3" name="Tijdelijke aanduiding voor inhoud 2">
+            <a:extLst>
+              <a:ext uri="{FF2B5EF4-FFF2-40B4-BE49-F238E27FC236}">
+                <a16:creationId xmlns:a16="http://schemas.microsoft.com/office/drawing/2014/main" id="{D270CA93-4162-4810-9127-F9645AB177D5}"/>
+              </a:ext>
+            </a:extLst>
+          </p:cNvPr>
+          <p:cNvSpPr>
+            <a:spLocks noGrp="1"/>
+          </p:cNvSpPr>
+          <p:nvPr>
+            <p:ph idx="1"/>
+          </p:nvPr>
+        </p:nvSpPr>
+        <p:spPr/>
+        <p:txBody>
+          <a:bodyPr/>
+          <a:lstStyle/>
+          <a:p>
+            <a:r>
+              <a:rPr lang="nl-BE" dirty="0" err="1"/>
+              <a:t>Happstack</a:t>
+            </a:r>
+            <a:endParaRPr lang="nl-BE" dirty="0"/>
+          </a:p>
+          <a:p>
+            <a:r>
+              <a:rPr lang="nl-BE" dirty="0"/>
+              <a:t>Snap</a:t>
+            </a:r>
+          </a:p>
+          <a:p>
+            <a:r>
+              <a:rPr lang="nl-BE" dirty="0" err="1"/>
+              <a:t>Yesod</a:t>
+            </a:r>
+            <a:endParaRPr lang="nl-BE" dirty="0"/>
+          </a:p>
+          <a:p>
+            <a:r>
+              <a:rPr lang="nl-BE" dirty="0" err="1"/>
+              <a:t>Scotty</a:t>
+            </a:r>
+            <a:endParaRPr lang="nl-BE" dirty="0"/>
+          </a:p>
+          <a:p>
+            <a:r>
+              <a:rPr lang="nl-BE" dirty="0"/>
+              <a:t>…</a:t>
+            </a:r>
+          </a:p>
+        </p:txBody>
+      </p:sp>
+    </p:spTree>
+    <p:extLst>
+      <p:ext uri="{BB962C8B-B14F-4D97-AF65-F5344CB8AC3E}">
+        <p14:creationId xmlns:p14="http://schemas.microsoft.com/office/powerpoint/2010/main" val="937254038"/>
+      </p:ext>
+    </p:extLst>
+  </p:cSld>
+  <p:clrMapOvr>
+    <a:masterClrMapping/>
+  </p:clrMapOvr>
+</p:sld>
+</file>
+
+<file path=ppt/slides/slide8.xml><?xml version="1.0" encoding="utf-8"?>
+<p:sld xmlns:a="http://schemas.openxmlformats.org/drawingml/2006/main" xmlns:r="http://schemas.openxmlformats.org/officeDocument/2006/relationships" xmlns:p="http://schemas.openxmlformats.org/presentationml/2006/main">
+  <p:cSld>
+    <p:spTree>
+      <p:nvGrpSpPr>
+        <p:cNvPr id="1" name=""/>
+        <p:cNvGrpSpPr/>
+        <p:nvPr/>
+      </p:nvGrpSpPr>
+      <p:grpSpPr>
+        <a:xfrm>
+          <a:off x="0" y="0"/>
+          <a:ext cx="0" cy="0"/>
+          <a:chOff x="0" y="0"/>
+          <a:chExt cx="0" cy="0"/>
+        </a:xfrm>
+      </p:grpSpPr>
+      <p:sp>
+        <p:nvSpPr>
+          <p:cNvPr id="2" name="Titel 1">
+            <a:extLst>
+              <a:ext uri="{FF2B5EF4-FFF2-40B4-BE49-F238E27FC236}">
                 <a16:creationId xmlns:a16="http://schemas.microsoft.com/office/drawing/2014/main" id="{EB13870E-4054-49E3-8317-B160E5E3100E}"/>
               </a:ext>
             </a:extLst>
@@ -4166,18 +4293,6 @@
               <a:t>WinGHCi</a:t>
             </a:r>
             <a:endParaRPr lang="nl-BE" dirty="0"/>
-          </a:p>
-          <a:p>
-            <a:r>
-              <a:rPr lang="nl-BE" dirty="0"/>
-              <a:t>:r</a:t>
-            </a:r>
-          </a:p>
-          <a:p>
-            <a:r>
-              <a:rPr lang="nl-BE" dirty="0"/>
-              <a:t>:l</a:t>
-            </a:r>
           </a:p>
         </p:txBody>
       </p:sp>
@@ -4230,7 +4345,7 @@
 </p:sld>
 </file>
 
-<file path=ppt/slides/slide8.xml><?xml version="1.0" encoding="utf-8"?>
+<file path=ppt/slides/slide9.xml><?xml version="1.0" encoding="utf-8"?>
 <p:sld xmlns:a="http://schemas.openxmlformats.org/drawingml/2006/main" xmlns:r="http://schemas.openxmlformats.org/officeDocument/2006/relationships" xmlns:p="http://schemas.openxmlformats.org/presentationml/2006/main">
   <p:cSld>
     <p:spTree>

--- a/haskell.pptx
+++ b/haskell.pptx
@@ -209,7 +209,7 @@
           <a:p>
             <a:fld id="{BDECBD7F-C700-432E-A872-9084CD23E1A8}" type="datetimeFigureOut">
               <a:rPr lang="nl-BE" smtClean="0"/>
-              <a:t>12/11/2017</a:t>
+              <a:t>16/11/2017</a:t>
             </a:fld>
             <a:endParaRPr lang="nl-BE"/>
           </a:p>
@@ -703,7 +703,7 @@
           <a:p>
             <a:fld id="{769E3ADC-C81B-4E58-BFAC-462DFF4B7B8F}" type="datetimeFigureOut">
               <a:rPr lang="nl-BE" smtClean="0"/>
-              <a:t>12/11/2017</a:t>
+              <a:t>16/11/2017</a:t>
             </a:fld>
             <a:endParaRPr lang="nl-BE"/>
           </a:p>
@@ -873,7 +873,7 @@
           <a:p>
             <a:fld id="{769E3ADC-C81B-4E58-BFAC-462DFF4B7B8F}" type="datetimeFigureOut">
               <a:rPr lang="nl-BE" smtClean="0"/>
-              <a:t>12/11/2017</a:t>
+              <a:t>16/11/2017</a:t>
             </a:fld>
             <a:endParaRPr lang="nl-BE"/>
           </a:p>
@@ -1053,7 +1053,7 @@
           <a:p>
             <a:fld id="{769E3ADC-C81B-4E58-BFAC-462DFF4B7B8F}" type="datetimeFigureOut">
               <a:rPr lang="nl-BE" smtClean="0"/>
-              <a:t>12/11/2017</a:t>
+              <a:t>16/11/2017</a:t>
             </a:fld>
             <a:endParaRPr lang="nl-BE"/>
           </a:p>
@@ -1223,7 +1223,7 @@
           <a:p>
             <a:fld id="{769E3ADC-C81B-4E58-BFAC-462DFF4B7B8F}" type="datetimeFigureOut">
               <a:rPr lang="nl-BE" smtClean="0"/>
-              <a:t>12/11/2017</a:t>
+              <a:t>16/11/2017</a:t>
             </a:fld>
             <a:endParaRPr lang="nl-BE"/>
           </a:p>
@@ -1474,7 +1474,7 @@
           <a:p>
             <a:fld id="{769E3ADC-C81B-4E58-BFAC-462DFF4B7B8F}" type="datetimeFigureOut">
               <a:rPr lang="nl-BE" smtClean="0"/>
-              <a:t>12/11/2017</a:t>
+              <a:t>16/11/2017</a:t>
             </a:fld>
             <a:endParaRPr lang="nl-BE"/>
           </a:p>
@@ -1706,7 +1706,7 @@
           <a:p>
             <a:fld id="{769E3ADC-C81B-4E58-BFAC-462DFF4B7B8F}" type="datetimeFigureOut">
               <a:rPr lang="nl-BE" smtClean="0"/>
-              <a:t>12/11/2017</a:t>
+              <a:t>16/11/2017</a:t>
             </a:fld>
             <a:endParaRPr lang="nl-BE"/>
           </a:p>
@@ -2053,7 +2053,7 @@
           <a:p>
             <a:fld id="{769E3ADC-C81B-4E58-BFAC-462DFF4B7B8F}" type="datetimeFigureOut">
               <a:rPr lang="nl-BE" smtClean="0"/>
-              <a:t>12/11/2017</a:t>
+              <a:t>16/11/2017</a:t>
             </a:fld>
             <a:endParaRPr lang="nl-BE"/>
           </a:p>
@@ -2171,7 +2171,7 @@
           <a:p>
             <a:fld id="{769E3ADC-C81B-4E58-BFAC-462DFF4B7B8F}" type="datetimeFigureOut">
               <a:rPr lang="nl-BE" smtClean="0"/>
-              <a:t>12/11/2017</a:t>
+              <a:t>16/11/2017</a:t>
             </a:fld>
             <a:endParaRPr lang="nl-BE"/>
           </a:p>
@@ -2289,7 +2289,7 @@
           <a:p>
             <a:fld id="{769E3ADC-C81B-4E58-BFAC-462DFF4B7B8F}" type="datetimeFigureOut">
               <a:rPr lang="nl-BE" smtClean="0"/>
-              <a:t>12/11/2017</a:t>
+              <a:t>16/11/2017</a:t>
             </a:fld>
             <a:endParaRPr lang="nl-BE"/>
           </a:p>
@@ -2573,7 +2573,7 @@
           <a:p>
             <a:fld id="{769E3ADC-C81B-4E58-BFAC-462DFF4B7B8F}" type="datetimeFigureOut">
               <a:rPr lang="nl-BE" smtClean="0"/>
-              <a:t>12/11/2017</a:t>
+              <a:t>16/11/2017</a:t>
             </a:fld>
             <a:endParaRPr lang="nl-BE"/>
           </a:p>
@@ -2837,7 +2837,7 @@
           <a:p>
             <a:fld id="{769E3ADC-C81B-4E58-BFAC-462DFF4B7B8F}" type="datetimeFigureOut">
               <a:rPr lang="nl-BE" smtClean="0"/>
-              <a:t>12/11/2017</a:t>
+              <a:t>16/11/2017</a:t>
             </a:fld>
             <a:endParaRPr lang="nl-BE"/>
           </a:p>
@@ -3060,7 +3060,7 @@
           <a:p>
             <a:fld id="{769E3ADC-C81B-4E58-BFAC-462DFF4B7B8F}" type="datetimeFigureOut">
               <a:rPr lang="nl-BE" smtClean="0"/>
-              <a:t>12/11/2017</a:t>
+              <a:t>16/11/2017</a:t>
             </a:fld>
             <a:endParaRPr lang="nl-BE"/>
           </a:p>
@@ -3878,6 +3878,17 @@
               <a:t>Texas ranges</a:t>
             </a:r>
           </a:p>
+          <a:p>
+            <a:r>
+              <a:rPr lang="nl-BE" dirty="0"/>
+              <a:t>List </a:t>
+            </a:r>
+            <a:r>
+              <a:rPr lang="nl-BE" dirty="0" err="1"/>
+              <a:t>comprehension</a:t>
+            </a:r>
+            <a:endParaRPr lang="nl-BE" dirty="0"/>
+          </a:p>
         </p:txBody>
       </p:sp>
     </p:spTree>
@@ -3970,6 +3981,17 @@
               <a:rPr lang="nl-BE" dirty="0"/>
               <a:t>Elke grootte ander type</a:t>
             </a:r>
+          </a:p>
+          <a:p>
+            <a:r>
+              <a:rPr lang="nl-BE" dirty="0"/>
+              <a:t>List </a:t>
+            </a:r>
+            <a:r>
+              <a:rPr lang="nl-BE" dirty="0" err="1"/>
+              <a:t>comprehension</a:t>
+            </a:r>
+            <a:endParaRPr lang="nl-BE" dirty="0"/>
           </a:p>
         </p:txBody>
       </p:sp>

--- a/haskell.pptx
+++ b/haskell.pptx
@@ -9,13 +9,13 @@
   </p:notesMasterIdLst>
   <p:sldIdLst>
     <p:sldId id="256" r:id="rId2"/>
-    <p:sldId id="258" r:id="rId3"/>
-    <p:sldId id="260" r:id="rId4"/>
-    <p:sldId id="261" r:id="rId5"/>
-    <p:sldId id="262" r:id="rId6"/>
-    <p:sldId id="263" r:id="rId7"/>
-    <p:sldId id="264" r:id="rId8"/>
-    <p:sldId id="257" r:id="rId9"/>
+    <p:sldId id="257" r:id="rId3"/>
+    <p:sldId id="258" r:id="rId4"/>
+    <p:sldId id="260" r:id="rId5"/>
+    <p:sldId id="261" r:id="rId6"/>
+    <p:sldId id="262" r:id="rId7"/>
+    <p:sldId id="263" r:id="rId8"/>
+    <p:sldId id="264" r:id="rId9"/>
     <p:sldId id="259" r:id="rId10"/>
   </p:sldIdLst>
   <p:sldSz cx="12192000" cy="6858000"/>
@@ -209,7 +209,7 @@
           <a:p>
             <a:fld id="{BDECBD7F-C700-432E-A872-9084CD23E1A8}" type="datetimeFigureOut">
               <a:rPr lang="nl-BE" smtClean="0"/>
-              <a:t>16/11/2017</a:t>
+              <a:t>17/11/2017</a:t>
             </a:fld>
             <a:endParaRPr lang="nl-BE"/>
           </a:p>
@@ -542,7 +542,7 @@
           <a:p>
             <a:fld id="{6FBC9F00-7A0E-412D-BC0E-8E50166D2CC5}" type="slidenum">
               <a:rPr lang="nl-BE" smtClean="0"/>
-              <a:t>8</a:t>
+              <a:t>2</a:t>
             </a:fld>
             <a:endParaRPr lang="nl-BE"/>
           </a:p>
@@ -703,7 +703,7 @@
           <a:p>
             <a:fld id="{769E3ADC-C81B-4E58-BFAC-462DFF4B7B8F}" type="datetimeFigureOut">
               <a:rPr lang="nl-BE" smtClean="0"/>
-              <a:t>16/11/2017</a:t>
+              <a:t>17/11/2017</a:t>
             </a:fld>
             <a:endParaRPr lang="nl-BE"/>
           </a:p>
@@ -873,7 +873,7 @@
           <a:p>
             <a:fld id="{769E3ADC-C81B-4E58-BFAC-462DFF4B7B8F}" type="datetimeFigureOut">
               <a:rPr lang="nl-BE" smtClean="0"/>
-              <a:t>16/11/2017</a:t>
+              <a:t>17/11/2017</a:t>
             </a:fld>
             <a:endParaRPr lang="nl-BE"/>
           </a:p>
@@ -1053,7 +1053,7 @@
           <a:p>
             <a:fld id="{769E3ADC-C81B-4E58-BFAC-462DFF4B7B8F}" type="datetimeFigureOut">
               <a:rPr lang="nl-BE" smtClean="0"/>
-              <a:t>16/11/2017</a:t>
+              <a:t>17/11/2017</a:t>
             </a:fld>
             <a:endParaRPr lang="nl-BE"/>
           </a:p>
@@ -1223,7 +1223,7 @@
           <a:p>
             <a:fld id="{769E3ADC-C81B-4E58-BFAC-462DFF4B7B8F}" type="datetimeFigureOut">
               <a:rPr lang="nl-BE" smtClean="0"/>
-              <a:t>16/11/2017</a:t>
+              <a:t>17/11/2017</a:t>
             </a:fld>
             <a:endParaRPr lang="nl-BE"/>
           </a:p>
@@ -1474,7 +1474,7 @@
           <a:p>
             <a:fld id="{769E3ADC-C81B-4E58-BFAC-462DFF4B7B8F}" type="datetimeFigureOut">
               <a:rPr lang="nl-BE" smtClean="0"/>
-              <a:t>16/11/2017</a:t>
+              <a:t>17/11/2017</a:t>
             </a:fld>
             <a:endParaRPr lang="nl-BE"/>
           </a:p>
@@ -1706,7 +1706,7 @@
           <a:p>
             <a:fld id="{769E3ADC-C81B-4E58-BFAC-462DFF4B7B8F}" type="datetimeFigureOut">
               <a:rPr lang="nl-BE" smtClean="0"/>
-              <a:t>16/11/2017</a:t>
+              <a:t>17/11/2017</a:t>
             </a:fld>
             <a:endParaRPr lang="nl-BE"/>
           </a:p>
@@ -2053,7 +2053,7 @@
           <a:p>
             <a:fld id="{769E3ADC-C81B-4E58-BFAC-462DFF4B7B8F}" type="datetimeFigureOut">
               <a:rPr lang="nl-BE" smtClean="0"/>
-              <a:t>16/11/2017</a:t>
+              <a:t>17/11/2017</a:t>
             </a:fld>
             <a:endParaRPr lang="nl-BE"/>
           </a:p>
@@ -2171,7 +2171,7 @@
           <a:p>
             <a:fld id="{769E3ADC-C81B-4E58-BFAC-462DFF4B7B8F}" type="datetimeFigureOut">
               <a:rPr lang="nl-BE" smtClean="0"/>
-              <a:t>16/11/2017</a:t>
+              <a:t>17/11/2017</a:t>
             </a:fld>
             <a:endParaRPr lang="nl-BE"/>
           </a:p>
@@ -2289,7 +2289,7 @@
           <a:p>
             <a:fld id="{769E3ADC-C81B-4E58-BFAC-462DFF4B7B8F}" type="datetimeFigureOut">
               <a:rPr lang="nl-BE" smtClean="0"/>
-              <a:t>16/11/2017</a:t>
+              <a:t>17/11/2017</a:t>
             </a:fld>
             <a:endParaRPr lang="nl-BE"/>
           </a:p>
@@ -2573,7 +2573,7 @@
           <a:p>
             <a:fld id="{769E3ADC-C81B-4E58-BFAC-462DFF4B7B8F}" type="datetimeFigureOut">
               <a:rPr lang="nl-BE" smtClean="0"/>
-              <a:t>16/11/2017</a:t>
+              <a:t>17/11/2017</a:t>
             </a:fld>
             <a:endParaRPr lang="nl-BE"/>
           </a:p>
@@ -2837,7 +2837,7 @@
           <a:p>
             <a:fld id="{769E3ADC-C81B-4E58-BFAC-462DFF4B7B8F}" type="datetimeFigureOut">
               <a:rPr lang="nl-BE" smtClean="0"/>
-              <a:t>16/11/2017</a:t>
+              <a:t>17/11/2017</a:t>
             </a:fld>
             <a:endParaRPr lang="nl-BE"/>
           </a:p>
@@ -3060,7 +3060,7 @@
           <a:p>
             <a:fld id="{769E3ADC-C81B-4E58-BFAC-462DFF4B7B8F}" type="datetimeFigureOut">
               <a:rPr lang="nl-BE" smtClean="0"/>
-              <a:t>16/11/2017</a:t>
+              <a:t>17/11/2017</a:t>
             </a:fld>
             <a:endParaRPr lang="nl-BE"/>
           </a:p>
@@ -3564,698 +3564,6 @@
           <p:cNvPr id="2" name="Titel 1">
             <a:extLst>
               <a:ext uri="{FF2B5EF4-FFF2-40B4-BE49-F238E27FC236}">
-                <a16:creationId xmlns:a16="http://schemas.microsoft.com/office/drawing/2014/main" id="{5E9D8AAA-F9F9-43F3-8560-72879ED6EE40}"/>
-              </a:ext>
-            </a:extLst>
-          </p:cNvPr>
-          <p:cNvSpPr>
-            <a:spLocks noGrp="1"/>
-          </p:cNvSpPr>
-          <p:nvPr>
-            <p:ph type="title"/>
-          </p:nvPr>
-        </p:nvSpPr>
-        <p:spPr/>
-        <p:txBody>
-          <a:bodyPr/>
-          <a:lstStyle/>
-          <a:p>
-            <a:r>
-              <a:rPr lang="nl-BE" dirty="0"/>
-              <a:t>Functies</a:t>
-            </a:r>
-          </a:p>
-        </p:txBody>
-      </p:sp>
-      <p:sp>
-        <p:nvSpPr>
-          <p:cNvPr id="3" name="Tijdelijke aanduiding voor inhoud 2">
-            <a:extLst>
-              <a:ext uri="{FF2B5EF4-FFF2-40B4-BE49-F238E27FC236}">
-                <a16:creationId xmlns:a16="http://schemas.microsoft.com/office/drawing/2014/main" id="{45B8D30F-0ECB-4801-BF65-3093A85F0FB8}"/>
-              </a:ext>
-            </a:extLst>
-          </p:cNvPr>
-          <p:cNvSpPr>
-            <a:spLocks noGrp="1"/>
-          </p:cNvSpPr>
-          <p:nvPr>
-            <p:ph idx="1"/>
-          </p:nvPr>
-        </p:nvSpPr>
-        <p:spPr/>
-        <p:txBody>
-          <a:bodyPr/>
-          <a:lstStyle/>
-          <a:p>
-            <a:r>
-              <a:rPr lang="nl-BE" dirty="0" err="1"/>
-              <a:t>Function</a:t>
-            </a:r>
-            <a:r>
-              <a:rPr lang="nl-BE" dirty="0"/>
-              <a:t> </a:t>
-            </a:r>
-            <a:r>
-              <a:rPr lang="nl-BE" dirty="0" err="1"/>
-              <a:t>application</a:t>
-            </a:r>
-            <a:endParaRPr lang="nl-BE" dirty="0"/>
-          </a:p>
-          <a:p>
-            <a:r>
-              <a:rPr lang="nl-BE" dirty="0"/>
-              <a:t>Infix </a:t>
-            </a:r>
-            <a:r>
-              <a:rPr lang="nl-BE" dirty="0" err="1"/>
-              <a:t>function</a:t>
-            </a:r>
-            <a:endParaRPr lang="nl-BE" dirty="0"/>
-          </a:p>
-          <a:p>
-            <a:r>
-              <a:rPr lang="nl-BE" dirty="0"/>
-              <a:t>Geen volgorde</a:t>
-            </a:r>
-          </a:p>
-          <a:p>
-            <a:r>
-              <a:rPr lang="nl-BE" dirty="0"/>
-              <a:t>Niet beginnen met hoofdletter</a:t>
-            </a:r>
-          </a:p>
-          <a:p>
-            <a:r>
-              <a:rPr lang="nl-BE" dirty="0"/>
-              <a:t>Teken ‘</a:t>
-            </a:r>
-          </a:p>
-        </p:txBody>
-      </p:sp>
-    </p:spTree>
-    <p:extLst>
-      <p:ext uri="{BB962C8B-B14F-4D97-AF65-F5344CB8AC3E}">
-        <p14:creationId xmlns:p14="http://schemas.microsoft.com/office/powerpoint/2010/main" val="3516574670"/>
-      </p:ext>
-    </p:extLst>
-  </p:cSld>
-  <p:clrMapOvr>
-    <a:masterClrMapping/>
-  </p:clrMapOvr>
-</p:sld>
-</file>
-
-<file path=ppt/slides/slide3.xml><?xml version="1.0" encoding="utf-8"?>
-<p:sld xmlns:a="http://schemas.openxmlformats.org/drawingml/2006/main" xmlns:r="http://schemas.openxmlformats.org/officeDocument/2006/relationships" xmlns:p="http://schemas.openxmlformats.org/presentationml/2006/main">
-  <p:cSld>
-    <p:spTree>
-      <p:nvGrpSpPr>
-        <p:cNvPr id="1" name=""/>
-        <p:cNvGrpSpPr/>
-        <p:nvPr/>
-      </p:nvGrpSpPr>
-      <p:grpSpPr>
-        <a:xfrm>
-          <a:off x="0" y="0"/>
-          <a:ext cx="0" cy="0"/>
-          <a:chOff x="0" y="0"/>
-          <a:chExt cx="0" cy="0"/>
-        </a:xfrm>
-      </p:grpSpPr>
-      <p:sp>
-        <p:nvSpPr>
-          <p:cNvPr id="2" name="Titel 1">
-            <a:extLst>
-              <a:ext uri="{FF2B5EF4-FFF2-40B4-BE49-F238E27FC236}">
-                <a16:creationId xmlns:a16="http://schemas.microsoft.com/office/drawing/2014/main" id="{18E9CF5D-6A79-430E-B6C7-D545191FDC19}"/>
-              </a:ext>
-            </a:extLst>
-          </p:cNvPr>
-          <p:cNvSpPr>
-            <a:spLocks noGrp="1"/>
-          </p:cNvSpPr>
-          <p:nvPr>
-            <p:ph type="title"/>
-          </p:nvPr>
-        </p:nvSpPr>
-        <p:spPr/>
-        <p:txBody>
-          <a:bodyPr/>
-          <a:lstStyle/>
-          <a:p>
-            <a:r>
-              <a:rPr lang="nl-BE" dirty="0"/>
-              <a:t>Condities</a:t>
-            </a:r>
-          </a:p>
-        </p:txBody>
-      </p:sp>
-      <p:sp>
-        <p:nvSpPr>
-          <p:cNvPr id="3" name="Tijdelijke aanduiding voor inhoud 2">
-            <a:extLst>
-              <a:ext uri="{FF2B5EF4-FFF2-40B4-BE49-F238E27FC236}">
-                <a16:creationId xmlns:a16="http://schemas.microsoft.com/office/drawing/2014/main" id="{8131DD30-0D04-4A97-AB8D-6AEF7EC955B7}"/>
-              </a:ext>
-            </a:extLst>
-          </p:cNvPr>
-          <p:cNvSpPr>
-            <a:spLocks noGrp="1"/>
-          </p:cNvSpPr>
-          <p:nvPr>
-            <p:ph idx="1"/>
-          </p:nvPr>
-        </p:nvSpPr>
-        <p:spPr/>
-        <p:txBody>
-          <a:bodyPr/>
-          <a:lstStyle/>
-          <a:p>
-            <a:r>
-              <a:rPr lang="nl-BE" dirty="0" err="1"/>
-              <a:t>If</a:t>
-            </a:r>
-            <a:r>
-              <a:rPr lang="nl-BE" dirty="0"/>
-              <a:t>.. </a:t>
-            </a:r>
-            <a:r>
-              <a:rPr lang="nl-BE" dirty="0" err="1"/>
-              <a:t>Then</a:t>
-            </a:r>
-            <a:r>
-              <a:rPr lang="nl-BE" dirty="0"/>
-              <a:t>..</a:t>
-            </a:r>
-          </a:p>
-          <a:p>
-            <a:r>
-              <a:rPr lang="nl-BE" dirty="0"/>
-              <a:t>Else verplicht</a:t>
-            </a:r>
-          </a:p>
-        </p:txBody>
-      </p:sp>
-    </p:spTree>
-    <p:extLst>
-      <p:ext uri="{BB962C8B-B14F-4D97-AF65-F5344CB8AC3E}">
-        <p14:creationId xmlns:p14="http://schemas.microsoft.com/office/powerpoint/2010/main" val="2127282221"/>
-      </p:ext>
-    </p:extLst>
-  </p:cSld>
-  <p:clrMapOvr>
-    <a:masterClrMapping/>
-  </p:clrMapOvr>
-</p:sld>
-</file>
-
-<file path=ppt/slides/slide4.xml><?xml version="1.0" encoding="utf-8"?>
-<p:sld xmlns:a="http://schemas.openxmlformats.org/drawingml/2006/main" xmlns:r="http://schemas.openxmlformats.org/officeDocument/2006/relationships" xmlns:p="http://schemas.openxmlformats.org/presentationml/2006/main">
-  <p:cSld>
-    <p:spTree>
-      <p:nvGrpSpPr>
-        <p:cNvPr id="1" name=""/>
-        <p:cNvGrpSpPr/>
-        <p:nvPr/>
-      </p:nvGrpSpPr>
-      <p:grpSpPr>
-        <a:xfrm>
-          <a:off x="0" y="0"/>
-          <a:ext cx="0" cy="0"/>
-          <a:chOff x="0" y="0"/>
-          <a:chExt cx="0" cy="0"/>
-        </a:xfrm>
-      </p:grpSpPr>
-      <p:sp>
-        <p:nvSpPr>
-          <p:cNvPr id="2" name="Titel 1">
-            <a:extLst>
-              <a:ext uri="{FF2B5EF4-FFF2-40B4-BE49-F238E27FC236}">
-                <a16:creationId xmlns:a16="http://schemas.microsoft.com/office/drawing/2014/main" id="{8CE64588-59F5-4C00-AA3B-5482BA960EE7}"/>
-              </a:ext>
-            </a:extLst>
-          </p:cNvPr>
-          <p:cNvSpPr>
-            <a:spLocks noGrp="1"/>
-          </p:cNvSpPr>
-          <p:nvPr>
-            <p:ph type="title"/>
-          </p:nvPr>
-        </p:nvSpPr>
-        <p:spPr/>
-        <p:txBody>
-          <a:bodyPr/>
-          <a:lstStyle/>
-          <a:p>
-            <a:r>
-              <a:rPr lang="nl-BE" dirty="0" err="1"/>
-              <a:t>Lists</a:t>
-            </a:r>
-            <a:endParaRPr lang="nl-BE" dirty="0"/>
-          </a:p>
-        </p:txBody>
-      </p:sp>
-      <p:sp>
-        <p:nvSpPr>
-          <p:cNvPr id="3" name="Tijdelijke aanduiding voor inhoud 2">
-            <a:extLst>
-              <a:ext uri="{FF2B5EF4-FFF2-40B4-BE49-F238E27FC236}">
-                <a16:creationId xmlns:a16="http://schemas.microsoft.com/office/drawing/2014/main" id="{7B46D009-87A2-4B45-A28A-449883CB111B}"/>
-              </a:ext>
-            </a:extLst>
-          </p:cNvPr>
-          <p:cNvSpPr>
-            <a:spLocks noGrp="1"/>
-          </p:cNvSpPr>
-          <p:nvPr>
-            <p:ph idx="1"/>
-          </p:nvPr>
-        </p:nvSpPr>
-        <p:spPr/>
-        <p:txBody>
-          <a:bodyPr/>
-          <a:lstStyle/>
-          <a:p>
-            <a:r>
-              <a:rPr lang="nl-BE" dirty="0"/>
-              <a:t>Arrays</a:t>
-            </a:r>
-          </a:p>
-          <a:p>
-            <a:r>
-              <a:rPr lang="nl-BE" dirty="0"/>
-              <a:t>Strings</a:t>
-            </a:r>
-          </a:p>
-          <a:p>
-            <a:r>
-              <a:rPr lang="nl-BE" dirty="0"/>
-              <a:t>++</a:t>
-            </a:r>
-          </a:p>
-          <a:p>
-            <a:r>
-              <a:rPr lang="nl-BE" dirty="0"/>
-              <a:t>:</a:t>
-            </a:r>
-          </a:p>
-          <a:p>
-            <a:r>
-              <a:rPr lang="nl-BE" dirty="0"/>
-              <a:t>!!</a:t>
-            </a:r>
-          </a:p>
-          <a:p>
-            <a:r>
-              <a:rPr lang="nl-BE" dirty="0"/>
-              <a:t>Vergelijken</a:t>
-            </a:r>
-          </a:p>
-          <a:p>
-            <a:r>
-              <a:rPr lang="nl-BE" dirty="0"/>
-              <a:t>Texas ranges</a:t>
-            </a:r>
-          </a:p>
-          <a:p>
-            <a:r>
-              <a:rPr lang="nl-BE" dirty="0"/>
-              <a:t>List </a:t>
-            </a:r>
-            <a:r>
-              <a:rPr lang="nl-BE" dirty="0" err="1"/>
-              <a:t>comprehension</a:t>
-            </a:r>
-            <a:endParaRPr lang="nl-BE" dirty="0"/>
-          </a:p>
-        </p:txBody>
-      </p:sp>
-    </p:spTree>
-    <p:extLst>
-      <p:ext uri="{BB962C8B-B14F-4D97-AF65-F5344CB8AC3E}">
-        <p14:creationId xmlns:p14="http://schemas.microsoft.com/office/powerpoint/2010/main" val="3920184162"/>
-      </p:ext>
-    </p:extLst>
-  </p:cSld>
-  <p:clrMapOvr>
-    <a:masterClrMapping/>
-  </p:clrMapOvr>
-</p:sld>
-</file>
-
-<file path=ppt/slides/slide5.xml><?xml version="1.0" encoding="utf-8"?>
-<p:sld xmlns:a="http://schemas.openxmlformats.org/drawingml/2006/main" xmlns:r="http://schemas.openxmlformats.org/officeDocument/2006/relationships" xmlns:p="http://schemas.openxmlformats.org/presentationml/2006/main">
-  <p:cSld>
-    <p:spTree>
-      <p:nvGrpSpPr>
-        <p:cNvPr id="1" name=""/>
-        <p:cNvGrpSpPr/>
-        <p:nvPr/>
-      </p:nvGrpSpPr>
-      <p:grpSpPr>
-        <a:xfrm>
-          <a:off x="0" y="0"/>
-          <a:ext cx="0" cy="0"/>
-          <a:chOff x="0" y="0"/>
-          <a:chExt cx="0" cy="0"/>
-        </a:xfrm>
-      </p:grpSpPr>
-      <p:sp>
-        <p:nvSpPr>
-          <p:cNvPr id="2" name="Titel 1">
-            <a:extLst>
-              <a:ext uri="{FF2B5EF4-FFF2-40B4-BE49-F238E27FC236}">
-                <a16:creationId xmlns:a16="http://schemas.microsoft.com/office/drawing/2014/main" id="{153B7D79-CCAF-4AAE-B969-3A6749C0F00B}"/>
-              </a:ext>
-            </a:extLst>
-          </p:cNvPr>
-          <p:cNvSpPr>
-            <a:spLocks noGrp="1"/>
-          </p:cNvSpPr>
-          <p:nvPr>
-            <p:ph type="title"/>
-          </p:nvPr>
-        </p:nvSpPr>
-        <p:spPr/>
-        <p:txBody>
-          <a:bodyPr/>
-          <a:lstStyle/>
-          <a:p>
-            <a:r>
-              <a:rPr lang="nl-BE" dirty="0" err="1"/>
-              <a:t>Tuples</a:t>
-            </a:r>
-            <a:endParaRPr lang="nl-BE" dirty="0"/>
-          </a:p>
-        </p:txBody>
-      </p:sp>
-      <p:sp>
-        <p:nvSpPr>
-          <p:cNvPr id="3" name="Tijdelijke aanduiding voor inhoud 2">
-            <a:extLst>
-              <a:ext uri="{FF2B5EF4-FFF2-40B4-BE49-F238E27FC236}">
-                <a16:creationId xmlns:a16="http://schemas.microsoft.com/office/drawing/2014/main" id="{04A3599C-0BAF-4381-88F7-B1D837E5E579}"/>
-              </a:ext>
-            </a:extLst>
-          </p:cNvPr>
-          <p:cNvSpPr>
-            <a:spLocks noGrp="1"/>
-          </p:cNvSpPr>
-          <p:nvPr>
-            <p:ph idx="1"/>
-          </p:nvPr>
-        </p:nvSpPr>
-        <p:spPr/>
-        <p:txBody>
-          <a:bodyPr/>
-          <a:lstStyle/>
-          <a:p>
-            <a:r>
-              <a:rPr lang="nl-BE" dirty="0"/>
-              <a:t>Verschillende types</a:t>
-            </a:r>
-          </a:p>
-          <a:p>
-            <a:r>
-              <a:rPr lang="nl-BE" dirty="0"/>
-              <a:t>Elke grootte ander type</a:t>
-            </a:r>
-          </a:p>
-          <a:p>
-            <a:r>
-              <a:rPr lang="nl-BE" dirty="0"/>
-              <a:t>List </a:t>
-            </a:r>
-            <a:r>
-              <a:rPr lang="nl-BE" dirty="0" err="1"/>
-              <a:t>comprehension</a:t>
-            </a:r>
-            <a:endParaRPr lang="nl-BE" dirty="0"/>
-          </a:p>
-        </p:txBody>
-      </p:sp>
-    </p:spTree>
-    <p:extLst>
-      <p:ext uri="{BB962C8B-B14F-4D97-AF65-F5344CB8AC3E}">
-        <p14:creationId xmlns:p14="http://schemas.microsoft.com/office/powerpoint/2010/main" val="1321677707"/>
-      </p:ext>
-    </p:extLst>
-  </p:cSld>
-  <p:clrMapOvr>
-    <a:masterClrMapping/>
-  </p:clrMapOvr>
-</p:sld>
-</file>
-
-<file path=ppt/slides/slide6.xml><?xml version="1.0" encoding="utf-8"?>
-<p:sld xmlns:a="http://schemas.openxmlformats.org/drawingml/2006/main" xmlns:r="http://schemas.openxmlformats.org/officeDocument/2006/relationships" xmlns:p="http://schemas.openxmlformats.org/presentationml/2006/main">
-  <p:cSld>
-    <p:spTree>
-      <p:nvGrpSpPr>
-        <p:cNvPr id="1" name=""/>
-        <p:cNvGrpSpPr/>
-        <p:nvPr/>
-      </p:nvGrpSpPr>
-      <p:grpSpPr>
-        <a:xfrm>
-          <a:off x="0" y="0"/>
-          <a:ext cx="0" cy="0"/>
-          <a:chOff x="0" y="0"/>
-          <a:chExt cx="0" cy="0"/>
-        </a:xfrm>
-      </p:grpSpPr>
-      <p:sp>
-        <p:nvSpPr>
-          <p:cNvPr id="2" name="Titel 1">
-            <a:extLst>
-              <a:ext uri="{FF2B5EF4-FFF2-40B4-BE49-F238E27FC236}">
-                <a16:creationId xmlns:a16="http://schemas.microsoft.com/office/drawing/2014/main" id="{CBAB9F9D-FEB4-4A81-8574-932D4CA98EAC}"/>
-              </a:ext>
-            </a:extLst>
-          </p:cNvPr>
-          <p:cNvSpPr>
-            <a:spLocks noGrp="1"/>
-          </p:cNvSpPr>
-          <p:nvPr>
-            <p:ph type="title"/>
-          </p:nvPr>
-        </p:nvSpPr>
-        <p:spPr/>
-        <p:txBody>
-          <a:bodyPr/>
-          <a:lstStyle/>
-          <a:p>
-            <a:r>
-              <a:rPr lang="nl-BE" dirty="0"/>
-              <a:t>Hulpmiddelen</a:t>
-            </a:r>
-          </a:p>
-        </p:txBody>
-      </p:sp>
-      <p:sp>
-        <p:nvSpPr>
-          <p:cNvPr id="3" name="Tijdelijke aanduiding voor inhoud 2">
-            <a:extLst>
-              <a:ext uri="{FF2B5EF4-FFF2-40B4-BE49-F238E27FC236}">
-                <a16:creationId xmlns:a16="http://schemas.microsoft.com/office/drawing/2014/main" id="{97A1C585-AD24-459A-A89C-01768414951F}"/>
-              </a:ext>
-            </a:extLst>
-          </p:cNvPr>
-          <p:cNvSpPr>
-            <a:spLocks noGrp="1"/>
-          </p:cNvSpPr>
-          <p:nvPr>
-            <p:ph idx="1"/>
-          </p:nvPr>
-        </p:nvSpPr>
-        <p:spPr/>
-        <p:txBody>
-          <a:bodyPr/>
-          <a:lstStyle/>
-          <a:p>
-            <a:r>
-              <a:rPr lang="nl-BE" dirty="0"/>
-              <a:t>Stack</a:t>
-            </a:r>
-          </a:p>
-          <a:p>
-            <a:r>
-              <a:rPr lang="nl-BE" dirty="0" err="1"/>
-              <a:t>Cabal</a:t>
-            </a:r>
-            <a:endParaRPr lang="nl-BE" dirty="0"/>
-          </a:p>
-          <a:p>
-            <a:r>
-              <a:rPr lang="nl-BE" dirty="0" err="1"/>
-              <a:t>Hackage</a:t>
-            </a:r>
-            <a:endParaRPr lang="nl-BE" dirty="0"/>
-          </a:p>
-          <a:p>
-            <a:r>
-              <a:rPr lang="nl-BE" dirty="0"/>
-              <a:t>Haddock</a:t>
-            </a:r>
-          </a:p>
-          <a:p>
-            <a:r>
-              <a:rPr lang="nl-BE" dirty="0"/>
-              <a:t>…</a:t>
-            </a:r>
-          </a:p>
-        </p:txBody>
-      </p:sp>
-    </p:spTree>
-    <p:extLst>
-      <p:ext uri="{BB962C8B-B14F-4D97-AF65-F5344CB8AC3E}">
-        <p14:creationId xmlns:p14="http://schemas.microsoft.com/office/powerpoint/2010/main" val="4163251410"/>
-      </p:ext>
-    </p:extLst>
-  </p:cSld>
-  <p:clrMapOvr>
-    <a:masterClrMapping/>
-  </p:clrMapOvr>
-</p:sld>
-</file>
-
-<file path=ppt/slides/slide7.xml><?xml version="1.0" encoding="utf-8"?>
-<p:sld xmlns:a="http://schemas.openxmlformats.org/drawingml/2006/main" xmlns:r="http://schemas.openxmlformats.org/officeDocument/2006/relationships" xmlns:p="http://schemas.openxmlformats.org/presentationml/2006/main">
-  <p:cSld>
-    <p:spTree>
-      <p:nvGrpSpPr>
-        <p:cNvPr id="1" name=""/>
-        <p:cNvGrpSpPr/>
-        <p:nvPr/>
-      </p:nvGrpSpPr>
-      <p:grpSpPr>
-        <a:xfrm>
-          <a:off x="0" y="0"/>
-          <a:ext cx="0" cy="0"/>
-          <a:chOff x="0" y="0"/>
-          <a:chExt cx="0" cy="0"/>
-        </a:xfrm>
-      </p:grpSpPr>
-      <p:sp>
-        <p:nvSpPr>
-          <p:cNvPr id="2" name="Titel 1">
-            <a:extLst>
-              <a:ext uri="{FF2B5EF4-FFF2-40B4-BE49-F238E27FC236}">
-                <a16:creationId xmlns:a16="http://schemas.microsoft.com/office/drawing/2014/main" id="{97A88734-47C5-4C7E-B489-E4218C2D95F7}"/>
-              </a:ext>
-            </a:extLst>
-          </p:cNvPr>
-          <p:cNvSpPr>
-            <a:spLocks noGrp="1"/>
-          </p:cNvSpPr>
-          <p:nvPr>
-            <p:ph type="title"/>
-          </p:nvPr>
-        </p:nvSpPr>
-        <p:spPr/>
-        <p:txBody>
-          <a:bodyPr/>
-          <a:lstStyle/>
-          <a:p>
-            <a:r>
-              <a:rPr lang="nl-BE" dirty="0" err="1"/>
-              <a:t>Frameworks</a:t>
-            </a:r>
-            <a:endParaRPr lang="nl-BE" dirty="0"/>
-          </a:p>
-        </p:txBody>
-      </p:sp>
-      <p:sp>
-        <p:nvSpPr>
-          <p:cNvPr id="3" name="Tijdelijke aanduiding voor inhoud 2">
-            <a:extLst>
-              <a:ext uri="{FF2B5EF4-FFF2-40B4-BE49-F238E27FC236}">
-                <a16:creationId xmlns:a16="http://schemas.microsoft.com/office/drawing/2014/main" id="{D270CA93-4162-4810-9127-F9645AB177D5}"/>
-              </a:ext>
-            </a:extLst>
-          </p:cNvPr>
-          <p:cNvSpPr>
-            <a:spLocks noGrp="1"/>
-          </p:cNvSpPr>
-          <p:nvPr>
-            <p:ph idx="1"/>
-          </p:nvPr>
-        </p:nvSpPr>
-        <p:spPr/>
-        <p:txBody>
-          <a:bodyPr/>
-          <a:lstStyle/>
-          <a:p>
-            <a:r>
-              <a:rPr lang="nl-BE" dirty="0" err="1"/>
-              <a:t>Happstack</a:t>
-            </a:r>
-            <a:endParaRPr lang="nl-BE" dirty="0"/>
-          </a:p>
-          <a:p>
-            <a:r>
-              <a:rPr lang="nl-BE" dirty="0"/>
-              <a:t>Snap</a:t>
-            </a:r>
-          </a:p>
-          <a:p>
-            <a:r>
-              <a:rPr lang="nl-BE" dirty="0" err="1"/>
-              <a:t>Yesod</a:t>
-            </a:r>
-            <a:endParaRPr lang="nl-BE" dirty="0"/>
-          </a:p>
-          <a:p>
-            <a:r>
-              <a:rPr lang="nl-BE" dirty="0" err="1"/>
-              <a:t>Scotty</a:t>
-            </a:r>
-            <a:endParaRPr lang="nl-BE" dirty="0"/>
-          </a:p>
-          <a:p>
-            <a:r>
-              <a:rPr lang="nl-BE" dirty="0"/>
-              <a:t>…</a:t>
-            </a:r>
-          </a:p>
-        </p:txBody>
-      </p:sp>
-    </p:spTree>
-    <p:extLst>
-      <p:ext uri="{BB962C8B-B14F-4D97-AF65-F5344CB8AC3E}">
-        <p14:creationId xmlns:p14="http://schemas.microsoft.com/office/powerpoint/2010/main" val="937254038"/>
-      </p:ext>
-    </p:extLst>
-  </p:cSld>
-  <p:clrMapOvr>
-    <a:masterClrMapping/>
-  </p:clrMapOvr>
-</p:sld>
-</file>
-
-<file path=ppt/slides/slide8.xml><?xml version="1.0" encoding="utf-8"?>
-<p:sld xmlns:a="http://schemas.openxmlformats.org/drawingml/2006/main" xmlns:r="http://schemas.openxmlformats.org/officeDocument/2006/relationships" xmlns:p="http://schemas.openxmlformats.org/presentationml/2006/main">
-  <p:cSld>
-    <p:spTree>
-      <p:nvGrpSpPr>
-        <p:cNvPr id="1" name=""/>
-        <p:cNvGrpSpPr/>
-        <p:nvPr/>
-      </p:nvGrpSpPr>
-      <p:grpSpPr>
-        <a:xfrm>
-          <a:off x="0" y="0"/>
-          <a:ext cx="0" cy="0"/>
-          <a:chOff x="0" y="0"/>
-          <a:chExt cx="0" cy="0"/>
-        </a:xfrm>
-      </p:grpSpPr>
-      <p:sp>
-        <p:nvSpPr>
-          <p:cNvPr id="2" name="Titel 1">
-            <a:extLst>
-              <a:ext uri="{FF2B5EF4-FFF2-40B4-BE49-F238E27FC236}">
                 <a16:creationId xmlns:a16="http://schemas.microsoft.com/office/drawing/2014/main" id="{EB13870E-4054-49E3-8317-B160E5E3100E}"/>
               </a:ext>
             </a:extLst>
@@ -4358,6 +3666,698 @@
     <p:extLst>
       <p:ext uri="{BB962C8B-B14F-4D97-AF65-F5344CB8AC3E}">
         <p14:creationId xmlns:p14="http://schemas.microsoft.com/office/powerpoint/2010/main" val="1696592844"/>
+      </p:ext>
+    </p:extLst>
+  </p:cSld>
+  <p:clrMapOvr>
+    <a:masterClrMapping/>
+  </p:clrMapOvr>
+</p:sld>
+</file>
+
+<file path=ppt/slides/slide3.xml><?xml version="1.0" encoding="utf-8"?>
+<p:sld xmlns:a="http://schemas.openxmlformats.org/drawingml/2006/main" xmlns:r="http://schemas.openxmlformats.org/officeDocument/2006/relationships" xmlns:p="http://schemas.openxmlformats.org/presentationml/2006/main">
+  <p:cSld>
+    <p:spTree>
+      <p:nvGrpSpPr>
+        <p:cNvPr id="1" name=""/>
+        <p:cNvGrpSpPr/>
+        <p:nvPr/>
+      </p:nvGrpSpPr>
+      <p:grpSpPr>
+        <a:xfrm>
+          <a:off x="0" y="0"/>
+          <a:ext cx="0" cy="0"/>
+          <a:chOff x="0" y="0"/>
+          <a:chExt cx="0" cy="0"/>
+        </a:xfrm>
+      </p:grpSpPr>
+      <p:sp>
+        <p:nvSpPr>
+          <p:cNvPr id="2" name="Titel 1">
+            <a:extLst>
+              <a:ext uri="{FF2B5EF4-FFF2-40B4-BE49-F238E27FC236}">
+                <a16:creationId xmlns:a16="http://schemas.microsoft.com/office/drawing/2014/main" id="{5E9D8AAA-F9F9-43F3-8560-72879ED6EE40}"/>
+              </a:ext>
+            </a:extLst>
+          </p:cNvPr>
+          <p:cNvSpPr>
+            <a:spLocks noGrp="1"/>
+          </p:cNvSpPr>
+          <p:nvPr>
+            <p:ph type="title"/>
+          </p:nvPr>
+        </p:nvSpPr>
+        <p:spPr/>
+        <p:txBody>
+          <a:bodyPr/>
+          <a:lstStyle/>
+          <a:p>
+            <a:r>
+              <a:rPr lang="nl-BE" dirty="0"/>
+              <a:t>Functies</a:t>
+            </a:r>
+          </a:p>
+        </p:txBody>
+      </p:sp>
+      <p:sp>
+        <p:nvSpPr>
+          <p:cNvPr id="3" name="Tijdelijke aanduiding voor inhoud 2">
+            <a:extLst>
+              <a:ext uri="{FF2B5EF4-FFF2-40B4-BE49-F238E27FC236}">
+                <a16:creationId xmlns:a16="http://schemas.microsoft.com/office/drawing/2014/main" id="{45B8D30F-0ECB-4801-BF65-3093A85F0FB8}"/>
+              </a:ext>
+            </a:extLst>
+          </p:cNvPr>
+          <p:cNvSpPr>
+            <a:spLocks noGrp="1"/>
+          </p:cNvSpPr>
+          <p:nvPr>
+            <p:ph idx="1"/>
+          </p:nvPr>
+        </p:nvSpPr>
+        <p:spPr/>
+        <p:txBody>
+          <a:bodyPr/>
+          <a:lstStyle/>
+          <a:p>
+            <a:r>
+              <a:rPr lang="nl-BE" dirty="0" err="1"/>
+              <a:t>Function</a:t>
+            </a:r>
+            <a:r>
+              <a:rPr lang="nl-BE" dirty="0"/>
+              <a:t> </a:t>
+            </a:r>
+            <a:r>
+              <a:rPr lang="nl-BE" dirty="0" err="1"/>
+              <a:t>application</a:t>
+            </a:r>
+            <a:endParaRPr lang="nl-BE" dirty="0"/>
+          </a:p>
+          <a:p>
+            <a:r>
+              <a:rPr lang="nl-BE" dirty="0"/>
+              <a:t>Infix </a:t>
+            </a:r>
+            <a:r>
+              <a:rPr lang="nl-BE" dirty="0" err="1"/>
+              <a:t>function</a:t>
+            </a:r>
+            <a:endParaRPr lang="nl-BE" dirty="0"/>
+          </a:p>
+          <a:p>
+            <a:r>
+              <a:rPr lang="nl-BE" dirty="0"/>
+              <a:t>Geen volgorde</a:t>
+            </a:r>
+          </a:p>
+          <a:p>
+            <a:r>
+              <a:rPr lang="nl-BE" dirty="0"/>
+              <a:t>Niet beginnen met hoofdletter</a:t>
+            </a:r>
+          </a:p>
+          <a:p>
+            <a:r>
+              <a:rPr lang="nl-BE" dirty="0"/>
+              <a:t>Teken ‘</a:t>
+            </a:r>
+          </a:p>
+        </p:txBody>
+      </p:sp>
+    </p:spTree>
+    <p:extLst>
+      <p:ext uri="{BB962C8B-B14F-4D97-AF65-F5344CB8AC3E}">
+        <p14:creationId xmlns:p14="http://schemas.microsoft.com/office/powerpoint/2010/main" val="3516574670"/>
+      </p:ext>
+    </p:extLst>
+  </p:cSld>
+  <p:clrMapOvr>
+    <a:masterClrMapping/>
+  </p:clrMapOvr>
+</p:sld>
+</file>
+
+<file path=ppt/slides/slide4.xml><?xml version="1.0" encoding="utf-8"?>
+<p:sld xmlns:a="http://schemas.openxmlformats.org/drawingml/2006/main" xmlns:r="http://schemas.openxmlformats.org/officeDocument/2006/relationships" xmlns:p="http://schemas.openxmlformats.org/presentationml/2006/main">
+  <p:cSld>
+    <p:spTree>
+      <p:nvGrpSpPr>
+        <p:cNvPr id="1" name=""/>
+        <p:cNvGrpSpPr/>
+        <p:nvPr/>
+      </p:nvGrpSpPr>
+      <p:grpSpPr>
+        <a:xfrm>
+          <a:off x="0" y="0"/>
+          <a:ext cx="0" cy="0"/>
+          <a:chOff x="0" y="0"/>
+          <a:chExt cx="0" cy="0"/>
+        </a:xfrm>
+      </p:grpSpPr>
+      <p:sp>
+        <p:nvSpPr>
+          <p:cNvPr id="2" name="Titel 1">
+            <a:extLst>
+              <a:ext uri="{FF2B5EF4-FFF2-40B4-BE49-F238E27FC236}">
+                <a16:creationId xmlns:a16="http://schemas.microsoft.com/office/drawing/2014/main" id="{18E9CF5D-6A79-430E-B6C7-D545191FDC19}"/>
+              </a:ext>
+            </a:extLst>
+          </p:cNvPr>
+          <p:cNvSpPr>
+            <a:spLocks noGrp="1"/>
+          </p:cNvSpPr>
+          <p:nvPr>
+            <p:ph type="title"/>
+          </p:nvPr>
+        </p:nvSpPr>
+        <p:spPr/>
+        <p:txBody>
+          <a:bodyPr/>
+          <a:lstStyle/>
+          <a:p>
+            <a:r>
+              <a:rPr lang="nl-BE" dirty="0"/>
+              <a:t>Condities</a:t>
+            </a:r>
+          </a:p>
+        </p:txBody>
+      </p:sp>
+      <p:sp>
+        <p:nvSpPr>
+          <p:cNvPr id="3" name="Tijdelijke aanduiding voor inhoud 2">
+            <a:extLst>
+              <a:ext uri="{FF2B5EF4-FFF2-40B4-BE49-F238E27FC236}">
+                <a16:creationId xmlns:a16="http://schemas.microsoft.com/office/drawing/2014/main" id="{8131DD30-0D04-4A97-AB8D-6AEF7EC955B7}"/>
+              </a:ext>
+            </a:extLst>
+          </p:cNvPr>
+          <p:cNvSpPr>
+            <a:spLocks noGrp="1"/>
+          </p:cNvSpPr>
+          <p:nvPr>
+            <p:ph idx="1"/>
+          </p:nvPr>
+        </p:nvSpPr>
+        <p:spPr/>
+        <p:txBody>
+          <a:bodyPr/>
+          <a:lstStyle/>
+          <a:p>
+            <a:r>
+              <a:rPr lang="nl-BE" dirty="0" err="1"/>
+              <a:t>If</a:t>
+            </a:r>
+            <a:r>
+              <a:rPr lang="nl-BE" dirty="0"/>
+              <a:t>.. </a:t>
+            </a:r>
+            <a:r>
+              <a:rPr lang="nl-BE" dirty="0" err="1"/>
+              <a:t>Then</a:t>
+            </a:r>
+            <a:r>
+              <a:rPr lang="nl-BE" dirty="0"/>
+              <a:t>..</a:t>
+            </a:r>
+          </a:p>
+          <a:p>
+            <a:r>
+              <a:rPr lang="nl-BE" dirty="0"/>
+              <a:t>Else verplicht</a:t>
+            </a:r>
+          </a:p>
+        </p:txBody>
+      </p:sp>
+    </p:spTree>
+    <p:extLst>
+      <p:ext uri="{BB962C8B-B14F-4D97-AF65-F5344CB8AC3E}">
+        <p14:creationId xmlns:p14="http://schemas.microsoft.com/office/powerpoint/2010/main" val="2127282221"/>
+      </p:ext>
+    </p:extLst>
+  </p:cSld>
+  <p:clrMapOvr>
+    <a:masterClrMapping/>
+  </p:clrMapOvr>
+</p:sld>
+</file>
+
+<file path=ppt/slides/slide5.xml><?xml version="1.0" encoding="utf-8"?>
+<p:sld xmlns:a="http://schemas.openxmlformats.org/drawingml/2006/main" xmlns:r="http://schemas.openxmlformats.org/officeDocument/2006/relationships" xmlns:p="http://schemas.openxmlformats.org/presentationml/2006/main">
+  <p:cSld>
+    <p:spTree>
+      <p:nvGrpSpPr>
+        <p:cNvPr id="1" name=""/>
+        <p:cNvGrpSpPr/>
+        <p:nvPr/>
+      </p:nvGrpSpPr>
+      <p:grpSpPr>
+        <a:xfrm>
+          <a:off x="0" y="0"/>
+          <a:ext cx="0" cy="0"/>
+          <a:chOff x="0" y="0"/>
+          <a:chExt cx="0" cy="0"/>
+        </a:xfrm>
+      </p:grpSpPr>
+      <p:sp>
+        <p:nvSpPr>
+          <p:cNvPr id="2" name="Titel 1">
+            <a:extLst>
+              <a:ext uri="{FF2B5EF4-FFF2-40B4-BE49-F238E27FC236}">
+                <a16:creationId xmlns:a16="http://schemas.microsoft.com/office/drawing/2014/main" id="{8CE64588-59F5-4C00-AA3B-5482BA960EE7}"/>
+              </a:ext>
+            </a:extLst>
+          </p:cNvPr>
+          <p:cNvSpPr>
+            <a:spLocks noGrp="1"/>
+          </p:cNvSpPr>
+          <p:nvPr>
+            <p:ph type="title"/>
+          </p:nvPr>
+        </p:nvSpPr>
+        <p:spPr/>
+        <p:txBody>
+          <a:bodyPr/>
+          <a:lstStyle/>
+          <a:p>
+            <a:r>
+              <a:rPr lang="nl-BE" dirty="0" err="1"/>
+              <a:t>Lists</a:t>
+            </a:r>
+            <a:endParaRPr lang="nl-BE" dirty="0"/>
+          </a:p>
+        </p:txBody>
+      </p:sp>
+      <p:sp>
+        <p:nvSpPr>
+          <p:cNvPr id="3" name="Tijdelijke aanduiding voor inhoud 2">
+            <a:extLst>
+              <a:ext uri="{FF2B5EF4-FFF2-40B4-BE49-F238E27FC236}">
+                <a16:creationId xmlns:a16="http://schemas.microsoft.com/office/drawing/2014/main" id="{7B46D009-87A2-4B45-A28A-449883CB111B}"/>
+              </a:ext>
+            </a:extLst>
+          </p:cNvPr>
+          <p:cNvSpPr>
+            <a:spLocks noGrp="1"/>
+          </p:cNvSpPr>
+          <p:nvPr>
+            <p:ph idx="1"/>
+          </p:nvPr>
+        </p:nvSpPr>
+        <p:spPr/>
+        <p:txBody>
+          <a:bodyPr/>
+          <a:lstStyle/>
+          <a:p>
+            <a:r>
+              <a:rPr lang="nl-BE" dirty="0"/>
+              <a:t>Arrays</a:t>
+            </a:r>
+          </a:p>
+          <a:p>
+            <a:r>
+              <a:rPr lang="nl-BE" dirty="0"/>
+              <a:t>Strings</a:t>
+            </a:r>
+          </a:p>
+          <a:p>
+            <a:r>
+              <a:rPr lang="nl-BE" dirty="0"/>
+              <a:t>++</a:t>
+            </a:r>
+          </a:p>
+          <a:p>
+            <a:r>
+              <a:rPr lang="nl-BE" dirty="0"/>
+              <a:t>:</a:t>
+            </a:r>
+          </a:p>
+          <a:p>
+            <a:r>
+              <a:rPr lang="nl-BE" dirty="0"/>
+              <a:t>!!</a:t>
+            </a:r>
+          </a:p>
+          <a:p>
+            <a:r>
+              <a:rPr lang="nl-BE" dirty="0"/>
+              <a:t>Vergelijken</a:t>
+            </a:r>
+          </a:p>
+          <a:p>
+            <a:r>
+              <a:rPr lang="nl-BE" dirty="0"/>
+              <a:t>Texas ranges</a:t>
+            </a:r>
+          </a:p>
+          <a:p>
+            <a:r>
+              <a:rPr lang="nl-BE" dirty="0"/>
+              <a:t>List </a:t>
+            </a:r>
+            <a:r>
+              <a:rPr lang="nl-BE" dirty="0" err="1"/>
+              <a:t>comprehension</a:t>
+            </a:r>
+            <a:endParaRPr lang="nl-BE" dirty="0"/>
+          </a:p>
+        </p:txBody>
+      </p:sp>
+    </p:spTree>
+    <p:extLst>
+      <p:ext uri="{BB962C8B-B14F-4D97-AF65-F5344CB8AC3E}">
+        <p14:creationId xmlns:p14="http://schemas.microsoft.com/office/powerpoint/2010/main" val="3920184162"/>
+      </p:ext>
+    </p:extLst>
+  </p:cSld>
+  <p:clrMapOvr>
+    <a:masterClrMapping/>
+  </p:clrMapOvr>
+</p:sld>
+</file>
+
+<file path=ppt/slides/slide6.xml><?xml version="1.0" encoding="utf-8"?>
+<p:sld xmlns:a="http://schemas.openxmlformats.org/drawingml/2006/main" xmlns:r="http://schemas.openxmlformats.org/officeDocument/2006/relationships" xmlns:p="http://schemas.openxmlformats.org/presentationml/2006/main">
+  <p:cSld>
+    <p:spTree>
+      <p:nvGrpSpPr>
+        <p:cNvPr id="1" name=""/>
+        <p:cNvGrpSpPr/>
+        <p:nvPr/>
+      </p:nvGrpSpPr>
+      <p:grpSpPr>
+        <a:xfrm>
+          <a:off x="0" y="0"/>
+          <a:ext cx="0" cy="0"/>
+          <a:chOff x="0" y="0"/>
+          <a:chExt cx="0" cy="0"/>
+        </a:xfrm>
+      </p:grpSpPr>
+      <p:sp>
+        <p:nvSpPr>
+          <p:cNvPr id="2" name="Titel 1">
+            <a:extLst>
+              <a:ext uri="{FF2B5EF4-FFF2-40B4-BE49-F238E27FC236}">
+                <a16:creationId xmlns:a16="http://schemas.microsoft.com/office/drawing/2014/main" id="{153B7D79-CCAF-4AAE-B969-3A6749C0F00B}"/>
+              </a:ext>
+            </a:extLst>
+          </p:cNvPr>
+          <p:cNvSpPr>
+            <a:spLocks noGrp="1"/>
+          </p:cNvSpPr>
+          <p:nvPr>
+            <p:ph type="title"/>
+          </p:nvPr>
+        </p:nvSpPr>
+        <p:spPr/>
+        <p:txBody>
+          <a:bodyPr/>
+          <a:lstStyle/>
+          <a:p>
+            <a:r>
+              <a:rPr lang="nl-BE" dirty="0" err="1"/>
+              <a:t>Tuples</a:t>
+            </a:r>
+            <a:endParaRPr lang="nl-BE" dirty="0"/>
+          </a:p>
+        </p:txBody>
+      </p:sp>
+      <p:sp>
+        <p:nvSpPr>
+          <p:cNvPr id="3" name="Tijdelijke aanduiding voor inhoud 2">
+            <a:extLst>
+              <a:ext uri="{FF2B5EF4-FFF2-40B4-BE49-F238E27FC236}">
+                <a16:creationId xmlns:a16="http://schemas.microsoft.com/office/drawing/2014/main" id="{04A3599C-0BAF-4381-88F7-B1D837E5E579}"/>
+              </a:ext>
+            </a:extLst>
+          </p:cNvPr>
+          <p:cNvSpPr>
+            <a:spLocks noGrp="1"/>
+          </p:cNvSpPr>
+          <p:nvPr>
+            <p:ph idx="1"/>
+          </p:nvPr>
+        </p:nvSpPr>
+        <p:spPr/>
+        <p:txBody>
+          <a:bodyPr/>
+          <a:lstStyle/>
+          <a:p>
+            <a:r>
+              <a:rPr lang="nl-BE" dirty="0"/>
+              <a:t>Verschillende types</a:t>
+            </a:r>
+          </a:p>
+          <a:p>
+            <a:r>
+              <a:rPr lang="nl-BE" dirty="0"/>
+              <a:t>Elke grootte ander type</a:t>
+            </a:r>
+          </a:p>
+          <a:p>
+            <a:r>
+              <a:rPr lang="nl-BE" dirty="0"/>
+              <a:t>List </a:t>
+            </a:r>
+            <a:r>
+              <a:rPr lang="nl-BE" dirty="0" err="1"/>
+              <a:t>comprehension</a:t>
+            </a:r>
+            <a:endParaRPr lang="nl-BE" dirty="0"/>
+          </a:p>
+        </p:txBody>
+      </p:sp>
+    </p:spTree>
+    <p:extLst>
+      <p:ext uri="{BB962C8B-B14F-4D97-AF65-F5344CB8AC3E}">
+        <p14:creationId xmlns:p14="http://schemas.microsoft.com/office/powerpoint/2010/main" val="1321677707"/>
+      </p:ext>
+    </p:extLst>
+  </p:cSld>
+  <p:clrMapOvr>
+    <a:masterClrMapping/>
+  </p:clrMapOvr>
+</p:sld>
+</file>
+
+<file path=ppt/slides/slide7.xml><?xml version="1.0" encoding="utf-8"?>
+<p:sld xmlns:a="http://schemas.openxmlformats.org/drawingml/2006/main" xmlns:r="http://schemas.openxmlformats.org/officeDocument/2006/relationships" xmlns:p="http://schemas.openxmlformats.org/presentationml/2006/main">
+  <p:cSld>
+    <p:spTree>
+      <p:nvGrpSpPr>
+        <p:cNvPr id="1" name=""/>
+        <p:cNvGrpSpPr/>
+        <p:nvPr/>
+      </p:nvGrpSpPr>
+      <p:grpSpPr>
+        <a:xfrm>
+          <a:off x="0" y="0"/>
+          <a:ext cx="0" cy="0"/>
+          <a:chOff x="0" y="0"/>
+          <a:chExt cx="0" cy="0"/>
+        </a:xfrm>
+      </p:grpSpPr>
+      <p:sp>
+        <p:nvSpPr>
+          <p:cNvPr id="2" name="Titel 1">
+            <a:extLst>
+              <a:ext uri="{FF2B5EF4-FFF2-40B4-BE49-F238E27FC236}">
+                <a16:creationId xmlns:a16="http://schemas.microsoft.com/office/drawing/2014/main" id="{CBAB9F9D-FEB4-4A81-8574-932D4CA98EAC}"/>
+              </a:ext>
+            </a:extLst>
+          </p:cNvPr>
+          <p:cNvSpPr>
+            <a:spLocks noGrp="1"/>
+          </p:cNvSpPr>
+          <p:nvPr>
+            <p:ph type="title"/>
+          </p:nvPr>
+        </p:nvSpPr>
+        <p:spPr/>
+        <p:txBody>
+          <a:bodyPr/>
+          <a:lstStyle/>
+          <a:p>
+            <a:r>
+              <a:rPr lang="nl-BE" dirty="0"/>
+              <a:t>Hulpmiddelen</a:t>
+            </a:r>
+          </a:p>
+        </p:txBody>
+      </p:sp>
+      <p:sp>
+        <p:nvSpPr>
+          <p:cNvPr id="3" name="Tijdelijke aanduiding voor inhoud 2">
+            <a:extLst>
+              <a:ext uri="{FF2B5EF4-FFF2-40B4-BE49-F238E27FC236}">
+                <a16:creationId xmlns:a16="http://schemas.microsoft.com/office/drawing/2014/main" id="{97A1C585-AD24-459A-A89C-01768414951F}"/>
+              </a:ext>
+            </a:extLst>
+          </p:cNvPr>
+          <p:cNvSpPr>
+            <a:spLocks noGrp="1"/>
+          </p:cNvSpPr>
+          <p:nvPr>
+            <p:ph idx="1"/>
+          </p:nvPr>
+        </p:nvSpPr>
+        <p:spPr/>
+        <p:txBody>
+          <a:bodyPr/>
+          <a:lstStyle/>
+          <a:p>
+            <a:r>
+              <a:rPr lang="nl-BE" dirty="0"/>
+              <a:t>Stack</a:t>
+            </a:r>
+          </a:p>
+          <a:p>
+            <a:r>
+              <a:rPr lang="nl-BE" dirty="0" err="1"/>
+              <a:t>Cabal</a:t>
+            </a:r>
+            <a:endParaRPr lang="nl-BE" dirty="0"/>
+          </a:p>
+          <a:p>
+            <a:r>
+              <a:rPr lang="nl-BE" dirty="0" err="1"/>
+              <a:t>Hackage</a:t>
+            </a:r>
+            <a:endParaRPr lang="nl-BE" dirty="0"/>
+          </a:p>
+          <a:p>
+            <a:r>
+              <a:rPr lang="nl-BE" dirty="0"/>
+              <a:t>Haddock</a:t>
+            </a:r>
+          </a:p>
+          <a:p>
+            <a:r>
+              <a:rPr lang="nl-BE" dirty="0"/>
+              <a:t>…</a:t>
+            </a:r>
+          </a:p>
+        </p:txBody>
+      </p:sp>
+    </p:spTree>
+    <p:extLst>
+      <p:ext uri="{BB962C8B-B14F-4D97-AF65-F5344CB8AC3E}">
+        <p14:creationId xmlns:p14="http://schemas.microsoft.com/office/powerpoint/2010/main" val="4163251410"/>
+      </p:ext>
+    </p:extLst>
+  </p:cSld>
+  <p:clrMapOvr>
+    <a:masterClrMapping/>
+  </p:clrMapOvr>
+</p:sld>
+</file>
+
+<file path=ppt/slides/slide8.xml><?xml version="1.0" encoding="utf-8"?>
+<p:sld xmlns:a="http://schemas.openxmlformats.org/drawingml/2006/main" xmlns:r="http://schemas.openxmlformats.org/officeDocument/2006/relationships" xmlns:p="http://schemas.openxmlformats.org/presentationml/2006/main">
+  <p:cSld>
+    <p:spTree>
+      <p:nvGrpSpPr>
+        <p:cNvPr id="1" name=""/>
+        <p:cNvGrpSpPr/>
+        <p:nvPr/>
+      </p:nvGrpSpPr>
+      <p:grpSpPr>
+        <a:xfrm>
+          <a:off x="0" y="0"/>
+          <a:ext cx="0" cy="0"/>
+          <a:chOff x="0" y="0"/>
+          <a:chExt cx="0" cy="0"/>
+        </a:xfrm>
+      </p:grpSpPr>
+      <p:sp>
+        <p:nvSpPr>
+          <p:cNvPr id="2" name="Titel 1">
+            <a:extLst>
+              <a:ext uri="{FF2B5EF4-FFF2-40B4-BE49-F238E27FC236}">
+                <a16:creationId xmlns:a16="http://schemas.microsoft.com/office/drawing/2014/main" id="{97A88734-47C5-4C7E-B489-E4218C2D95F7}"/>
+              </a:ext>
+            </a:extLst>
+          </p:cNvPr>
+          <p:cNvSpPr>
+            <a:spLocks noGrp="1"/>
+          </p:cNvSpPr>
+          <p:nvPr>
+            <p:ph type="title"/>
+          </p:nvPr>
+        </p:nvSpPr>
+        <p:spPr/>
+        <p:txBody>
+          <a:bodyPr/>
+          <a:lstStyle/>
+          <a:p>
+            <a:r>
+              <a:rPr lang="nl-BE" dirty="0" err="1"/>
+              <a:t>Frameworks</a:t>
+            </a:r>
+            <a:endParaRPr lang="nl-BE" dirty="0"/>
+          </a:p>
+        </p:txBody>
+      </p:sp>
+      <p:sp>
+        <p:nvSpPr>
+          <p:cNvPr id="3" name="Tijdelijke aanduiding voor inhoud 2">
+            <a:extLst>
+              <a:ext uri="{FF2B5EF4-FFF2-40B4-BE49-F238E27FC236}">
+                <a16:creationId xmlns:a16="http://schemas.microsoft.com/office/drawing/2014/main" id="{D270CA93-4162-4810-9127-F9645AB177D5}"/>
+              </a:ext>
+            </a:extLst>
+          </p:cNvPr>
+          <p:cNvSpPr>
+            <a:spLocks noGrp="1"/>
+          </p:cNvSpPr>
+          <p:nvPr>
+            <p:ph idx="1"/>
+          </p:nvPr>
+        </p:nvSpPr>
+        <p:spPr/>
+        <p:txBody>
+          <a:bodyPr/>
+          <a:lstStyle/>
+          <a:p>
+            <a:r>
+              <a:rPr lang="nl-BE" dirty="0" err="1"/>
+              <a:t>Happstack</a:t>
+            </a:r>
+            <a:endParaRPr lang="nl-BE" dirty="0"/>
+          </a:p>
+          <a:p>
+            <a:r>
+              <a:rPr lang="nl-BE" dirty="0"/>
+              <a:t>Snap</a:t>
+            </a:r>
+          </a:p>
+          <a:p>
+            <a:r>
+              <a:rPr lang="nl-BE" dirty="0" err="1"/>
+              <a:t>Yesod</a:t>
+            </a:r>
+            <a:endParaRPr lang="nl-BE" dirty="0"/>
+          </a:p>
+          <a:p>
+            <a:r>
+              <a:rPr lang="nl-BE" dirty="0" err="1"/>
+              <a:t>Scotty</a:t>
+            </a:r>
+            <a:endParaRPr lang="nl-BE" dirty="0"/>
+          </a:p>
+          <a:p>
+            <a:r>
+              <a:rPr lang="nl-BE" dirty="0"/>
+              <a:t>…</a:t>
+            </a:r>
+          </a:p>
+        </p:txBody>
+      </p:sp>
+    </p:spTree>
+    <p:extLst>
+      <p:ext uri="{BB962C8B-B14F-4D97-AF65-F5344CB8AC3E}">
+        <p14:creationId xmlns:p14="http://schemas.microsoft.com/office/powerpoint/2010/main" val="937254038"/>
       </p:ext>
     </p:extLst>
   </p:cSld>
